--- a/Week 04 - CSS.pptx
+++ b/Week 04 - CSS.pptx
@@ -506,7 +506,7 @@
           <a:p>
             <a:fld id="{9AB3A824-1A51-4B26-AD58-A6D8E14F6C04}" type="datetimeFigureOut">
               <a:rPr lang="en-US" smtClean="0"/>
-              <a:t>9/4/21</a:t>
+              <a:t>7/29/22</a:t>
             </a:fld>
             <a:endParaRPr lang="en-US" dirty="0"/>
           </a:p>
@@ -846,7 +846,7 @@
           <a:p>
             <a:fld id="{D857E33E-8B18-4087-B112-809917729534}" type="datetimeFigureOut">
               <a:rPr lang="en-US" smtClean="0"/>
-              <a:t>9/4/21</a:t>
+              <a:t>7/29/22</a:t>
             </a:fld>
             <a:endParaRPr lang="en-US" dirty="0"/>
           </a:p>
@@ -1154,7 +1154,7 @@
           <a:p>
             <a:fld id="{D3FFE419-2371-464F-8239-3959401C3561}" type="datetimeFigureOut">
               <a:rPr lang="en-US" smtClean="0"/>
-              <a:t>9/4/21</a:t>
+              <a:t>7/29/22</a:t>
             </a:fld>
             <a:endParaRPr lang="en-US" dirty="0"/>
           </a:p>
@@ -1407,7 +1407,7 @@
           <a:p>
             <a:fld id="{97D162C4-EDD9-4389-A98B-B87ECEA2A816}" type="datetimeFigureOut">
               <a:rPr lang="en-US" smtClean="0"/>
-              <a:t>9/4/21</a:t>
+              <a:t>7/29/22</a:t>
             </a:fld>
             <a:endParaRPr lang="en-US" dirty="0"/>
           </a:p>
@@ -1820,7 +1820,7 @@
           <a:p>
             <a:fld id="{3E5059C3-6A89-4494-99FF-5A4D6FFD50EB}" type="datetimeFigureOut">
               <a:rPr lang="en-US" smtClean="0"/>
-              <a:t>9/4/21</a:t>
+              <a:t>7/29/22</a:t>
             </a:fld>
             <a:endParaRPr lang="en-US" dirty="0"/>
           </a:p>
@@ -2140,7 +2140,7 @@
           <a:p>
             <a:fld id="{CA954B2F-12DE-47F5-8894-472B206D2E1E}" type="datetimeFigureOut">
               <a:rPr lang="en-US" smtClean="0"/>
-              <a:t>9/4/21</a:t>
+              <a:t>7/29/22</a:t>
             </a:fld>
             <a:endParaRPr lang="en-US" dirty="0"/>
           </a:p>
@@ -2690,7 +2690,7 @@
           <a:p>
             <a:fld id="{3F30E46F-7819-4ACF-B48B-48222C2ACC88}" type="datetimeFigureOut">
               <a:rPr lang="en-US" smtClean="0"/>
-              <a:t>9/4/21</a:t>
+              <a:t>7/29/22</a:t>
             </a:fld>
             <a:endParaRPr lang="en-US" dirty="0"/>
           </a:p>
@@ -2891,7 +2891,7 @@
           <a:p>
             <a:fld id="{1FAF3416-4057-4DAA-829D-4CA07428D088}" type="datetimeFigureOut">
               <a:rPr lang="en-US" smtClean="0"/>
-              <a:t>9/4/21</a:t>
+              <a:t>7/29/22</a:t>
             </a:fld>
             <a:endParaRPr lang="en-US" dirty="0"/>
           </a:p>
@@ -3110,7 +3110,7 @@
           <a:p>
             <a:fld id="{921D9284-D300-4297-87F7-E791DCC15DB1}" type="datetimeFigureOut">
               <a:rPr lang="en-US" smtClean="0"/>
-              <a:t>9/4/21</a:t>
+              <a:t>7/29/22</a:t>
             </a:fld>
             <a:endParaRPr lang="en-US" dirty="0"/>
           </a:p>
@@ -3485,7 +3485,7 @@
           <a:p>
             <a:fld id="{37D525BB-DA17-4BA0-B3C8-3AC3ABC827E6}" type="datetimeFigureOut">
               <a:rPr lang="en-US" smtClean="0"/>
-              <a:t>9/4/21</a:t>
+              <a:t>7/29/22</a:t>
             </a:fld>
             <a:endParaRPr lang="en-US" dirty="0"/>
           </a:p>
@@ -3894,7 +3894,7 @@
           <a:p>
             <a:fld id="{B16C4C9A-3960-41CF-A4E9-2A8FB932454B}" type="datetimeFigureOut">
               <a:rPr lang="en-US" smtClean="0"/>
-              <a:t>9/4/21</a:t>
+              <a:t>7/29/22</a:t>
             </a:fld>
             <a:endParaRPr lang="en-US" dirty="0"/>
           </a:p>
@@ -4211,7 +4211,7 @@
           <a:p>
             <a:fld id="{3CBC1C18-307B-4F68-A007-B5B542270E8D}" type="datetimeFigureOut">
               <a:rPr lang="en-US" smtClean="0"/>
-              <a:t>9/4/21</a:t>
+              <a:t>7/29/22</a:t>
             </a:fld>
             <a:endParaRPr lang="en-US" dirty="0"/>
           </a:p>
@@ -6371,24 +6371,46 @@
         </p:spPr>
         <p:txBody>
           <a:bodyPr>
-            <a:normAutofit fontScale="92500" lnSpcReduction="20000"/>
+            <a:normAutofit/>
           </a:bodyPr>
           <a:lstStyle/>
           <a:p>
+            <a:pPr>
+              <a:spcBef>
+                <a:spcPts val="0"/>
+              </a:spcBef>
+              <a:spcAft>
+                <a:spcPts val="0"/>
+              </a:spcAft>
+            </a:pPr>
             <a:r>
               <a:rPr lang="en-US" dirty="0"/>
               <a:t>Tag		H1, p, div, tr</a:t>
             </a:r>
           </a:p>
           <a:p>
-            <a:pPr lvl="1"/>
+            <a:pPr lvl="1">
+              <a:spcBef>
+                <a:spcPts val="0"/>
+              </a:spcBef>
+              <a:spcAft>
+                <a:spcPts val="0"/>
+              </a:spcAft>
+            </a:pPr>
             <a:r>
               <a:rPr lang="en-US" dirty="0"/>
               <a:t>This is painting with a wide brush. ALL similar tags get the same style</a:t>
             </a:r>
           </a:p>
           <a:p>
-            <a:pPr lvl="1"/>
+            <a:pPr lvl="1">
+              <a:spcBef>
+                <a:spcPts val="0"/>
+              </a:spcBef>
+              <a:spcAft>
+                <a:spcPts val="0"/>
+              </a:spcAft>
+            </a:pPr>
             <a:r>
               <a:rPr lang="en-US" dirty="0"/>
               <a:t>CSS 	</a:t>
@@ -6407,6 +6429,14 @@
             </a:r>
           </a:p>
           <a:p>
+            <a:pPr>
+              <a:spcBef>
+                <a:spcPts val="0"/>
+              </a:spcBef>
+              <a:spcAft>
+                <a:spcPts val="0"/>
+              </a:spcAft>
+            </a:pPr>
             <a:r>
               <a:rPr lang="en-US" dirty="0"/>
               <a:t>Id		id=“</a:t>
@@ -6425,14 +6455,28 @@
             </a:r>
           </a:p>
           <a:p>
-            <a:pPr lvl="1"/>
+            <a:pPr lvl="1">
+              <a:spcBef>
+                <a:spcPts val="0"/>
+              </a:spcBef>
+              <a:spcAft>
+                <a:spcPts val="0"/>
+              </a:spcAft>
+            </a:pPr>
             <a:r>
               <a:rPr lang="en-US" dirty="0"/>
               <a:t>unique within the page</a:t>
             </a:r>
           </a:p>
           <a:p>
-            <a:pPr lvl="1"/>
+            <a:pPr lvl="1">
+              <a:spcBef>
+                <a:spcPts val="0"/>
+              </a:spcBef>
+              <a:spcAft>
+                <a:spcPts val="0"/>
+              </a:spcAft>
+            </a:pPr>
             <a:r>
               <a:rPr lang="en-US" dirty="0"/>
               <a:t>CSS	</a:t>
@@ -6467,6 +6511,14 @@
             </a:r>
           </a:p>
           <a:p>
+            <a:pPr>
+              <a:spcBef>
+                <a:spcPts val="0"/>
+              </a:spcBef>
+              <a:spcAft>
+                <a:spcPts val="0"/>
+              </a:spcAft>
+            </a:pPr>
             <a:r>
               <a:rPr lang="en-US" dirty="0"/>
               <a:t>Class	class=“active </a:t>
@@ -6477,18 +6529,32 @@
             </a:r>
             <a:r>
               <a:rPr lang="en-US" dirty="0"/>
-              <a:t>”	</a:t>
-            </a:r>
-          </a:p>
-          <a:p>
-            <a:pPr lvl="1"/>
+              <a:t>”</a:t>
+            </a:r>
+          </a:p>
+          <a:p>
+            <a:pPr lvl="1">
+              <a:spcBef>
+                <a:spcPts val="0"/>
+              </a:spcBef>
+              <a:spcAft>
+                <a:spcPts val="0"/>
+              </a:spcAft>
+            </a:pPr>
             <a:r>
               <a:rPr lang="en-US" dirty="0"/>
               <a:t>multiple classes are acceptable</a:t>
             </a:r>
           </a:p>
           <a:p>
-            <a:pPr lvl="1"/>
+            <a:pPr lvl="1">
+              <a:spcBef>
+                <a:spcPts val="0"/>
+              </a:spcBef>
+              <a:spcAft>
+                <a:spcPts val="0"/>
+              </a:spcAft>
+            </a:pPr>
             <a:r>
               <a:rPr lang="en-US" dirty="0"/>
               <a:t>CSS	</a:t>

--- a/Week 04 - CSS.pptx
+++ b/Week 04 - CSS.pptx
@@ -506,7 +506,7 @@
           <a:p>
             <a:fld id="{9AB3A824-1A51-4B26-AD58-A6D8E14F6C04}" type="datetimeFigureOut">
               <a:rPr lang="en-US" smtClean="0"/>
-              <a:t>7/29/22</a:t>
+              <a:t>8/26/22</a:t>
             </a:fld>
             <a:endParaRPr lang="en-US" dirty="0"/>
           </a:p>
@@ -846,7 +846,7 @@
           <a:p>
             <a:fld id="{D857E33E-8B18-4087-B112-809917729534}" type="datetimeFigureOut">
               <a:rPr lang="en-US" smtClean="0"/>
-              <a:t>7/29/22</a:t>
+              <a:t>8/26/22</a:t>
             </a:fld>
             <a:endParaRPr lang="en-US" dirty="0"/>
           </a:p>
@@ -1154,7 +1154,7 @@
           <a:p>
             <a:fld id="{D3FFE419-2371-464F-8239-3959401C3561}" type="datetimeFigureOut">
               <a:rPr lang="en-US" smtClean="0"/>
-              <a:t>7/29/22</a:t>
+              <a:t>8/26/22</a:t>
             </a:fld>
             <a:endParaRPr lang="en-US" dirty="0"/>
           </a:p>
@@ -1407,7 +1407,7 @@
           <a:p>
             <a:fld id="{97D162C4-EDD9-4389-A98B-B87ECEA2A816}" type="datetimeFigureOut">
               <a:rPr lang="en-US" smtClean="0"/>
-              <a:t>7/29/22</a:t>
+              <a:t>8/26/22</a:t>
             </a:fld>
             <a:endParaRPr lang="en-US" dirty="0"/>
           </a:p>
@@ -1820,7 +1820,7 @@
           <a:p>
             <a:fld id="{3E5059C3-6A89-4494-99FF-5A4D6FFD50EB}" type="datetimeFigureOut">
               <a:rPr lang="en-US" smtClean="0"/>
-              <a:t>7/29/22</a:t>
+              <a:t>8/26/22</a:t>
             </a:fld>
             <a:endParaRPr lang="en-US" dirty="0"/>
           </a:p>
@@ -2140,7 +2140,7 @@
           <a:p>
             <a:fld id="{CA954B2F-12DE-47F5-8894-472B206D2E1E}" type="datetimeFigureOut">
               <a:rPr lang="en-US" smtClean="0"/>
-              <a:t>7/29/22</a:t>
+              <a:t>8/26/22</a:t>
             </a:fld>
             <a:endParaRPr lang="en-US" dirty="0"/>
           </a:p>
@@ -2690,7 +2690,7 @@
           <a:p>
             <a:fld id="{3F30E46F-7819-4ACF-B48B-48222C2ACC88}" type="datetimeFigureOut">
               <a:rPr lang="en-US" smtClean="0"/>
-              <a:t>7/29/22</a:t>
+              <a:t>8/26/22</a:t>
             </a:fld>
             <a:endParaRPr lang="en-US" dirty="0"/>
           </a:p>
@@ -2891,7 +2891,7 @@
           <a:p>
             <a:fld id="{1FAF3416-4057-4DAA-829D-4CA07428D088}" type="datetimeFigureOut">
               <a:rPr lang="en-US" smtClean="0"/>
-              <a:t>7/29/22</a:t>
+              <a:t>8/26/22</a:t>
             </a:fld>
             <a:endParaRPr lang="en-US" dirty="0"/>
           </a:p>
@@ -3110,7 +3110,7 @@
           <a:p>
             <a:fld id="{921D9284-D300-4297-87F7-E791DCC15DB1}" type="datetimeFigureOut">
               <a:rPr lang="en-US" smtClean="0"/>
-              <a:t>7/29/22</a:t>
+              <a:t>8/26/22</a:t>
             </a:fld>
             <a:endParaRPr lang="en-US" dirty="0"/>
           </a:p>
@@ -3485,7 +3485,7 @@
           <a:p>
             <a:fld id="{37D525BB-DA17-4BA0-B3C8-3AC3ABC827E6}" type="datetimeFigureOut">
               <a:rPr lang="en-US" smtClean="0"/>
-              <a:t>7/29/22</a:t>
+              <a:t>8/26/22</a:t>
             </a:fld>
             <a:endParaRPr lang="en-US" dirty="0"/>
           </a:p>
@@ -3894,7 +3894,7 @@
           <a:p>
             <a:fld id="{B16C4C9A-3960-41CF-A4E9-2A8FB932454B}" type="datetimeFigureOut">
               <a:rPr lang="en-US" smtClean="0"/>
-              <a:t>7/29/22</a:t>
+              <a:t>8/26/22</a:t>
             </a:fld>
             <a:endParaRPr lang="en-US" dirty="0"/>
           </a:p>
@@ -4211,7 +4211,7 @@
           <a:p>
             <a:fld id="{3CBC1C18-307B-4F68-A007-B5B542270E8D}" type="datetimeFigureOut">
               <a:rPr lang="en-US" smtClean="0"/>
-              <a:t>7/29/22</a:t>
+              <a:t>8/26/22</a:t>
             </a:fld>
             <a:endParaRPr lang="en-US" dirty="0"/>
           </a:p>
@@ -7933,6 +7933,12 @@
           <a:p>
             <a:r>
               <a:rPr lang="en-US" dirty="0"/>
+              <a:t>HTML Basics repo, Week CSS folder</a:t>
+            </a:r>
+          </a:p>
+          <a:p>
+            <a:r>
+              <a:rPr lang="en-US" dirty="0"/>
               <a:t>Margins and Padding</a:t>
             </a:r>
           </a:p>
